--- a/documents/MongoDB - Team Demo.pptx
+++ b/documents/MongoDB - Team Demo.pptx
@@ -264,7 +264,7 @@
           <a:p>
             <a:fld id="{A3A2CBFD-8094-4A10-A685-37FA62006A28}" type="datetimeFigureOut">
               <a:rPr lang="en-US" smtClean="0"/>
-              <a:t>4/15/2016</a:t>
+              <a:t>4/16/2016</a:t>
             </a:fld>
             <a:endParaRPr lang="en-US"/>
           </a:p>
@@ -432,7 +432,7 @@
           <a:p>
             <a:fld id="{A3A2CBFD-8094-4A10-A685-37FA62006A28}" type="datetimeFigureOut">
               <a:rPr lang="en-US" smtClean="0"/>
-              <a:t>4/15/2016</a:t>
+              <a:t>4/16/2016</a:t>
             </a:fld>
             <a:endParaRPr lang="en-US"/>
           </a:p>
@@ -610,7 +610,7 @@
           <a:p>
             <a:fld id="{A3A2CBFD-8094-4A10-A685-37FA62006A28}" type="datetimeFigureOut">
               <a:rPr lang="en-US" smtClean="0"/>
-              <a:t>4/15/2016</a:t>
+              <a:t>4/16/2016</a:t>
             </a:fld>
             <a:endParaRPr lang="en-US"/>
           </a:p>
@@ -778,7 +778,7 @@
           <a:p>
             <a:fld id="{A3A2CBFD-8094-4A10-A685-37FA62006A28}" type="datetimeFigureOut">
               <a:rPr lang="en-US" smtClean="0"/>
-              <a:t>4/15/2016</a:t>
+              <a:t>4/16/2016</a:t>
             </a:fld>
             <a:endParaRPr lang="en-US"/>
           </a:p>
@@ -1023,7 +1023,7 @@
           <a:p>
             <a:fld id="{A3A2CBFD-8094-4A10-A685-37FA62006A28}" type="datetimeFigureOut">
               <a:rPr lang="en-US" smtClean="0"/>
-              <a:t>4/15/2016</a:t>
+              <a:t>4/16/2016</a:t>
             </a:fld>
             <a:endParaRPr lang="en-US"/>
           </a:p>
@@ -1252,7 +1252,7 @@
           <a:p>
             <a:fld id="{A3A2CBFD-8094-4A10-A685-37FA62006A28}" type="datetimeFigureOut">
               <a:rPr lang="en-US" smtClean="0"/>
-              <a:t>4/15/2016</a:t>
+              <a:t>4/16/2016</a:t>
             </a:fld>
             <a:endParaRPr lang="en-US"/>
           </a:p>
@@ -1616,7 +1616,7 @@
           <a:p>
             <a:fld id="{A3A2CBFD-8094-4A10-A685-37FA62006A28}" type="datetimeFigureOut">
               <a:rPr lang="en-US" smtClean="0"/>
-              <a:t>4/15/2016</a:t>
+              <a:t>4/16/2016</a:t>
             </a:fld>
             <a:endParaRPr lang="en-US"/>
           </a:p>
@@ -1733,7 +1733,7 @@
           <a:p>
             <a:fld id="{A3A2CBFD-8094-4A10-A685-37FA62006A28}" type="datetimeFigureOut">
               <a:rPr lang="en-US" smtClean="0"/>
-              <a:t>4/15/2016</a:t>
+              <a:t>4/16/2016</a:t>
             </a:fld>
             <a:endParaRPr lang="en-US"/>
           </a:p>
@@ -1828,7 +1828,7 @@
           <a:p>
             <a:fld id="{A3A2CBFD-8094-4A10-A685-37FA62006A28}" type="datetimeFigureOut">
               <a:rPr lang="en-US" smtClean="0"/>
-              <a:t>4/15/2016</a:t>
+              <a:t>4/16/2016</a:t>
             </a:fld>
             <a:endParaRPr lang="en-US"/>
           </a:p>
@@ -2103,7 +2103,7 @@
           <a:p>
             <a:fld id="{A3A2CBFD-8094-4A10-A685-37FA62006A28}" type="datetimeFigureOut">
               <a:rPr lang="en-US" smtClean="0"/>
-              <a:t>4/15/2016</a:t>
+              <a:t>4/16/2016</a:t>
             </a:fld>
             <a:endParaRPr lang="en-US"/>
           </a:p>
@@ -2355,7 +2355,7 @@
           <a:p>
             <a:fld id="{A3A2CBFD-8094-4A10-A685-37FA62006A28}" type="datetimeFigureOut">
               <a:rPr lang="en-US" smtClean="0"/>
-              <a:t>4/15/2016</a:t>
+              <a:t>4/16/2016</a:t>
             </a:fld>
             <a:endParaRPr lang="en-US"/>
           </a:p>
@@ -2566,7 +2566,7 @@
           <a:p>
             <a:fld id="{A3A2CBFD-8094-4A10-A685-37FA62006A28}" type="datetimeFigureOut">
               <a:rPr lang="en-US" smtClean="0"/>
-              <a:t>4/15/2016</a:t>
+              <a:t>4/16/2016</a:t>
             </a:fld>
             <a:endParaRPr lang="en-US"/>
           </a:p>
@@ -2998,7 +2998,7 @@
                 <a:spcPct val="100000"/>
               </a:lnSpc>
             </a:pPr>
-            <a:endParaRPr lang="en-US" dirty="0" smtClean="0"/>
+            <a:endParaRPr lang="en-US" dirty="0"/>
           </a:p>
           <a:p>
             <a:pPr>
@@ -3007,7 +3007,7 @@
               </a:lnSpc>
             </a:pPr>
             <a:r>
-              <a:rPr lang="en-US" dirty="0" smtClean="0">
+              <a:rPr lang="en-US" dirty="0">
                 <a:latin typeface="+mj-lt"/>
               </a:rPr>
               <a:t>Team# 7</a:t>
@@ -3020,68 +3020,65 @@
               </a:lnSpc>
             </a:pPr>
             <a:r>
-              <a:rPr lang="en-US" dirty="0" err="1" smtClean="0">
+              <a:rPr lang="en-US" dirty="0" err="1">
                 <a:latin typeface="+mj-lt"/>
               </a:rPr>
               <a:t>Shumbam</a:t>
             </a:r>
             <a:r>
-              <a:rPr lang="en-US" dirty="0" smtClean="0">
+              <a:rPr lang="en-US" dirty="0">
                 <a:latin typeface="+mj-lt"/>
               </a:rPr>
               <a:t> </a:t>
             </a:r>
             <a:r>
-              <a:rPr lang="en-US" dirty="0" err="1" smtClean="0">
+              <a:rPr lang="en-US" dirty="0" err="1">
                 <a:latin typeface="+mj-lt"/>
               </a:rPr>
               <a:t>Vadhera</a:t>
             </a:r>
             <a:r>
-              <a:rPr lang="en-US" dirty="0" smtClean="0">
+              <a:rPr lang="en-US" dirty="0">
                 <a:latin typeface="+mj-lt"/>
               </a:rPr>
               <a:t> | </a:t>
             </a:r>
             <a:r>
-              <a:rPr lang="en-US" dirty="0" err="1" smtClean="0">
+              <a:rPr lang="en-US" dirty="0" err="1">
                 <a:latin typeface="+mj-lt"/>
               </a:rPr>
               <a:t>Sagar</a:t>
             </a:r>
             <a:r>
-              <a:rPr lang="en-US" dirty="0" smtClean="0">
+              <a:rPr lang="en-US" dirty="0">
                 <a:latin typeface="+mj-lt"/>
               </a:rPr>
               <a:t> </a:t>
             </a:r>
             <a:r>
-              <a:rPr lang="en-US" dirty="0" err="1" smtClean="0">
+              <a:rPr lang="en-US" dirty="0" err="1">
                 <a:latin typeface="+mj-lt"/>
               </a:rPr>
               <a:t>Dafle</a:t>
             </a:r>
             <a:r>
-              <a:rPr lang="en-US" dirty="0" smtClean="0">
+              <a:rPr lang="en-US" dirty="0">
                 <a:latin typeface="+mj-lt"/>
               </a:rPr>
               <a:t> | </a:t>
             </a:r>
             <a:r>
-              <a:rPr lang="en-US" dirty="0" err="1" smtClean="0">
+              <a:rPr lang="en-US" dirty="0" err="1">
                 <a:latin typeface="+mj-lt"/>
               </a:rPr>
               <a:t>Jagmohan</a:t>
             </a:r>
             <a:r>
-              <a:rPr lang="en-US" dirty="0" smtClean="0">
+              <a:rPr lang="en-US" dirty="0">
                 <a:latin typeface="+mj-lt"/>
               </a:rPr>
               <a:t> Singh |Pooja Yelure</a:t>
             </a:r>
-            <a:endParaRPr lang="en-US" dirty="0">
-              <a:latin typeface="+mj-lt"/>
-            </a:endParaRPr>
           </a:p>
         </p:txBody>
       </p:sp>
@@ -3106,18 +3103,13 @@
           <a:lstStyle/>
           <a:p>
             <a:r>
-              <a:rPr lang="en-US" dirty="0" smtClean="0">
+              <a:rPr lang="en-US" dirty="0">
                 <a:solidFill>
                   <a:srgbClr val="92D050"/>
                 </a:solidFill>
               </a:rPr>
               <a:t>MongoDB</a:t>
             </a:r>
-            <a:endParaRPr lang="en-US" dirty="0">
-              <a:solidFill>
-                <a:srgbClr val="92D050"/>
-              </a:solidFill>
-            </a:endParaRPr>
           </a:p>
         </p:txBody>
       </p:sp>
@@ -3161,13 +3153,6 @@
   <p:clrMapOvr>
     <a:masterClrMapping/>
   </p:clrMapOvr>
-  <p:timing>
-    <p:tnLst>
-      <p:par>
-        <p:cTn id="1" dur="indefinite" restart="never" nodeType="tmRoot"/>
-      </p:par>
-    </p:tnLst>
-  </p:timing>
 </p:sld>
 </file>
 
@@ -3207,15 +3192,7 @@
           <a:p>
             <a:r>
               <a:rPr lang="en-US" sz="4000" dirty="0"/>
-              <a:t>Why </a:t>
-            </a:r>
-            <a:r>
-              <a:rPr lang="en-US" sz="4000" dirty="0" smtClean="0"/>
-              <a:t>MONGO over </a:t>
-            </a:r>
-            <a:r>
-              <a:rPr lang="en-US" sz="4000" dirty="0"/>
-              <a:t>other NoSQL DBs</a:t>
+              <a:t>Why MONGO over other NoSQL DBs</a:t>
             </a:r>
           </a:p>
         </p:txBody>
@@ -3245,11 +3222,7 @@
             </a:r>
             <a:r>
               <a:rPr lang="en-US" dirty="0"/>
-              <a:t> (MMS) is a </a:t>
-            </a:r>
-            <a:r>
-              <a:rPr lang="en-US" dirty="0" smtClean="0"/>
-              <a:t>powerful </a:t>
+              <a:t> (MMS) is a powerful </a:t>
             </a:r>
             <a:r>
               <a:rPr lang="en-US" b="1" dirty="0"/>
@@ -3257,21 +3230,12 @@
             </a:r>
             <a:r>
               <a:rPr lang="en-US" dirty="0"/>
-              <a:t>that allows us tracking our databases and our machines and also backing up our </a:t>
-            </a:r>
-            <a:r>
-              <a:rPr lang="en-US" dirty="0" smtClean="0"/>
-              <a:t>data.</a:t>
-            </a:r>
+              <a:t>that allows us tracking our databases and our machines and also backing up our data. </a:t>
+            </a:r>
+          </a:p>
+          <a:p>
             <a:r>
               <a:rPr lang="en-US" dirty="0"/>
-              <a:t> </a:t>
-            </a:r>
-            <a:endParaRPr lang="en-US" dirty="0" smtClean="0"/>
-          </a:p>
-          <a:p>
-            <a:r>
-              <a:rPr lang="en-US" dirty="0" smtClean="0"/>
               <a:t>MMS tracks the database and hardware metrics for managing mongodb deployment.</a:t>
             </a:r>
           </a:p>
@@ -3282,30 +3246,18 @@
             </a:r>
             <a:r>
               <a:rPr lang="en-US" dirty="0"/>
-              <a:t>: Discover issues before your MongoDB instance will be </a:t>
-            </a:r>
-            <a:r>
-              <a:rPr lang="en-US" dirty="0" smtClean="0"/>
-              <a:t>affected.</a:t>
+              <a:t>: Discover issues before your MongoDB instance will be affected.</a:t>
             </a:r>
           </a:p>
           <a:p>
             <a:pPr fontAlgn="base"/>
             <a:r>
-              <a:rPr lang="en-US" b="1" dirty="0" smtClean="0"/>
+              <a:rPr lang="en-US" b="1" dirty="0"/>
               <a:t>Task Automation:</a:t>
             </a:r>
             <a:r>
-              <a:rPr lang="en-US" dirty="0" smtClean="0"/>
-              <a:t> Simple </a:t>
-            </a:r>
-            <a:r>
               <a:rPr lang="en-US" dirty="0"/>
-              <a:t>launch and configuration of standalone MongoDB instances, replica sets or sharded </a:t>
-            </a:r>
-            <a:r>
-              <a:rPr lang="en-US" dirty="0" smtClean="0"/>
-              <a:t>clusters.</a:t>
+              <a:t> Simple launch and configuration of standalone MongoDB instances, replica sets or sharded clusters.</a:t>
             </a:r>
           </a:p>
           <a:p>
@@ -3313,13 +3265,12 @@
               <a:buNone/>
             </a:pPr>
             <a:r>
-              <a:rPr lang="en-US" sz="1200" dirty="0" smtClean="0"/>
+              <a:rPr lang="en-US" sz="1200" dirty="0"/>
               <a:t> http://www.mongodbspain.com/en/2014/08/17/mongodb-characteristics-future/</a:t>
             </a:r>
-            <a:endParaRPr lang="en-US" sz="1200" dirty="0"/>
-          </a:p>
-          <a:p>
-            <a:endParaRPr lang="en-US" dirty="0" smtClean="0"/>
+          </a:p>
+          <a:p>
+            <a:endParaRPr lang="en-US" dirty="0"/>
           </a:p>
         </p:txBody>
       </p:sp>
@@ -3417,10 +3368,9 @@
           <a:lstStyle/>
           <a:p>
             <a:r>
-              <a:rPr lang="en-US" sz="4000" dirty="0" smtClean="0"/>
+              <a:rPr lang="en-US" sz="4000" dirty="0"/>
               <a:t>CONS of Mongo DB </a:t>
             </a:r>
-            <a:endParaRPr lang="en-US" sz="4000" dirty="0"/>
           </a:p>
         </p:txBody>
       </p:sp>
@@ -3442,20 +3392,12 @@
           <a:lstStyle/>
           <a:p>
             <a:r>
-              <a:rPr lang="en-US" b="1" dirty="0" smtClean="0"/>
+              <a:rPr lang="en-US" b="1" dirty="0"/>
               <a:t>Less Flexibility</a:t>
             </a:r>
             <a:r>
-              <a:rPr lang="en-US" dirty="0" smtClean="0"/>
-              <a:t> </a:t>
-            </a:r>
-            <a:r>
               <a:rPr lang="en-US" dirty="0"/>
-              <a:t>with querying (e.g. no JOINs</a:t>
-            </a:r>
-            <a:r>
-              <a:rPr lang="en-US" dirty="0" smtClean="0"/>
-              <a:t>)</a:t>
+              <a:t> with querying (e.g. no JOINs)</a:t>
             </a:r>
           </a:p>
           <a:p>
@@ -3463,38 +3405,25 @@
               <a:rPr lang="en-US" b="1" dirty="0"/>
               <a:t>Memory Usage</a:t>
             </a:r>
-            <a:r>
-              <a:rPr lang="en-US" dirty="0" smtClean="0"/>
-              <a:t/>
-            </a:r>
             <a:br>
-              <a:rPr lang="en-US" dirty="0" smtClean="0"/>
+              <a:rPr lang="en-US" dirty="0"/>
             </a:br>
             <a:r>
               <a:rPr lang="en-US" dirty="0"/>
               <a:t>MongoDB has the natural tendency to use up more memory because it has to store the key names within each document. </a:t>
             </a:r>
-            <a:endParaRPr lang="en-US" dirty="0" smtClean="0"/>
           </a:p>
           <a:p>
             <a:r>
               <a:rPr lang="en-US" b="1" dirty="0"/>
               <a:t>Concurrency Issues</a:t>
             </a:r>
-            <a:r>
-              <a:rPr lang="en-US" dirty="0" smtClean="0"/>
-              <a:t/>
-            </a:r>
             <a:br>
-              <a:rPr lang="en-US" dirty="0" smtClean="0"/>
+              <a:rPr lang="en-US" dirty="0"/>
             </a:br>
             <a:r>
               <a:rPr lang="en-US" dirty="0"/>
-              <a:t>When you perform a write operation in MongoDB, it creates a lock on the entire database, not just the affected entries, and not just for a particular connection. This lock blocks not only other write operations, but also read operations</a:t>
-            </a:r>
-            <a:r>
-              <a:rPr lang="en-US" dirty="0" smtClean="0"/>
-              <a:t>.</a:t>
+              <a:t>When you perform a write operation in MongoDB, it creates a lock on the entire database, not just the affected entries, and not just for a particular connection. This lock blocks not only other write operations, but also read operations.</a:t>
             </a:r>
           </a:p>
           <a:p>
@@ -3502,12 +3431,8 @@
               <a:buNone/>
             </a:pPr>
             <a:r>
-              <a:rPr lang="en-US" sz="1200" dirty="0" smtClean="0"/>
-              <a:t>  http</a:t>
-            </a:r>
-            <a:r>
               <a:rPr lang="en-US" sz="1200" dirty="0"/>
-              <a:t>://halls-of-valhalla.org/beta/articles/the-pros-and-cons-of-mongodb,45/</a:t>
+              <a:t>  http://halls-of-valhalla.org/beta/articles/the-pros-and-cons-of-mongodb,45/</a:t>
             </a:r>
           </a:p>
         </p:txBody>
@@ -3623,30 +3548,22 @@
           <a:lstStyle/>
           <a:p>
             <a:r>
-              <a:rPr lang="en-US" dirty="0" smtClean="0"/>
+              <a:rPr lang="en-US" dirty="0"/>
               <a:t>Usually used when we need a </a:t>
             </a:r>
             <a:r>
-              <a:rPr lang="en-US" b="1" dirty="0" smtClean="0"/>
+              <a:rPr lang="en-US" b="1" dirty="0"/>
               <a:t>horizontally scalable performance</a:t>
             </a:r>
             <a:r>
-              <a:rPr lang="en-US" dirty="0" smtClean="0"/>
+              <a:rPr lang="en-US" dirty="0"/>
               <a:t> for high loads.</a:t>
             </a:r>
           </a:p>
           <a:p>
             <a:r>
-              <a:rPr lang="en-US" dirty="0" smtClean="0"/>
-              <a:t>Real-time </a:t>
-            </a:r>
-            <a:r>
               <a:rPr lang="en-US" dirty="0"/>
-              <a:t>analytics and high-speed logging, caching and high </a:t>
-            </a:r>
-            <a:r>
-              <a:rPr lang="en-US" dirty="0" smtClean="0"/>
-              <a:t>scalability.</a:t>
+              <a:t>Real-time analytics and high-speed logging, caching and high scalability.</a:t>
             </a:r>
           </a:p>
           <a:p>
@@ -3656,14 +3573,10 @@
             </a:r>
             <a:r>
               <a:rPr lang="en-US" b="1" dirty="0"/>
-              <a:t>web </a:t>
-            </a:r>
-            <a:r>
-              <a:rPr lang="en-US" b="1" dirty="0" smtClean="0"/>
-              <a:t>applications</a:t>
-            </a:r>
-            <a:r>
-              <a:rPr lang="en-US" dirty="0" smtClean="0"/>
+              <a:t>web applications</a:t>
+            </a:r>
+            <a:r>
+              <a:rPr lang="en-US" dirty="0"/>
               <a:t>.</a:t>
             </a:r>
           </a:p>
@@ -3678,11 +3591,7 @@
             </a:r>
             <a:r>
               <a:rPr lang="en-US" dirty="0"/>
-              <a:t> must archive billions of records in many different formats, and must be able to query and report on these archives at runtime</a:t>
-            </a:r>
-            <a:r>
-              <a:rPr lang="en-US" dirty="0" smtClean="0"/>
-              <a:t>.</a:t>
+              <a:t> must archive billions of records in many different formats, and must be able to query and report on these archives at runtime.</a:t>
             </a:r>
           </a:p>
           <a:p>
@@ -3783,10 +3692,9 @@
           <a:lstStyle/>
           <a:p>
             <a:r>
-              <a:rPr lang="en-US" dirty="0" smtClean="0"/>
+              <a:rPr lang="en-US" dirty="0"/>
               <a:t>CRUD Operations</a:t>
             </a:r>
-            <a:endParaRPr lang="en-US" dirty="0"/>
           </a:p>
         </p:txBody>
       </p:sp>
@@ -3809,14 +3717,10 @@
           <a:p>
             <a:r>
               <a:rPr lang="en-US" dirty="0"/>
-              <a:t>Read Operations</a:t>
-            </a:r>
-            <a:r>
-              <a:rPr lang="en-US" dirty="0" smtClean="0"/>
-              <a:t>: </a:t>
-            </a:r>
-            <a:r>
-              <a:rPr lang="en-US" dirty="0" smtClean="0">
+              <a:t>Read Operations: </a:t>
+            </a:r>
+            <a:r>
+              <a:rPr lang="en-US" dirty="0">
                 <a:effectLst/>
               </a:rPr>
               <a:t>Queries are the core operations that return data in MongoDB. </a:t>
@@ -3824,21 +3728,21 @@
           </a:p>
           <a:p>
             <a:r>
-              <a:rPr lang="en-US" dirty="0" smtClean="0"/>
+              <a:rPr lang="en-US" dirty="0"/>
               <a:t>Cursors: Queries return </a:t>
             </a:r>
             <a:r>
-              <a:rPr lang="en-US" dirty="0" err="1" smtClean="0"/>
+              <a:rPr lang="en-US" dirty="0" err="1"/>
               <a:t>iterable</a:t>
             </a:r>
             <a:r>
-              <a:rPr lang="en-US" dirty="0" smtClean="0"/>
+              <a:rPr lang="en-US" dirty="0"/>
               <a:t> objects, called cursors, that hold the full result set.</a:t>
             </a:r>
           </a:p>
           <a:p>
             <a:r>
-              <a:rPr lang="en-US" dirty="0" smtClean="0">
+              <a:rPr lang="en-US" dirty="0">
                 <a:effectLst/>
               </a:rPr>
               <a:t>Write operations: </a:t>
@@ -3848,7 +3752,7 @@
               <a:t>I</a:t>
             </a:r>
             <a:r>
-              <a:rPr lang="en-US" dirty="0" smtClean="0">
+              <a:rPr lang="en-US" dirty="0">
                 <a:effectLst/>
               </a:rPr>
               <a:t>nsert, update, or remove documents in MongoDB. Introduces data create and modify operations, their behavior, and performances.</a:t>
@@ -3857,21 +3761,16 @@
           <a:p>
             <a:r>
               <a:rPr lang="en-US" dirty="0"/>
-              <a:t>Atomicity and </a:t>
-            </a:r>
-            <a:r>
-              <a:rPr lang="en-US" dirty="0" smtClean="0"/>
-              <a:t>Transactions: Describes write operation atomicity in </a:t>
-            </a:r>
-            <a:r>
-              <a:rPr lang="en-US" dirty="0" err="1" smtClean="0"/>
+              <a:t>Atomicity and Transactions: Describes write operation atomicity in </a:t>
+            </a:r>
+            <a:r>
+              <a:rPr lang="en-US" dirty="0" err="1"/>
               <a:t>MongoDb</a:t>
             </a:r>
             <a:r>
-              <a:rPr lang="en-US" dirty="0" smtClean="0"/>
+              <a:rPr lang="en-US" dirty="0"/>
               <a:t>.</a:t>
             </a:r>
-            <a:endParaRPr lang="en-US" dirty="0"/>
           </a:p>
         </p:txBody>
       </p:sp>
@@ -3988,10 +3887,9 @@
           <a:lstStyle/>
           <a:p>
             <a:r>
-              <a:rPr lang="en-US" dirty="0" smtClean="0"/>
+              <a:rPr lang="en-US" dirty="0"/>
               <a:t>CRUD Operations</a:t>
             </a:r>
-            <a:endParaRPr lang="en-US" dirty="0"/>
           </a:p>
         </p:txBody>
       </p:sp>
@@ -4016,52 +3914,48 @@
           <a:p>
             <a:pPr lvl="1"/>
             <a:r>
-              <a:rPr lang="en-US" sz="1400" dirty="0" smtClean="0"/>
+              <a:rPr lang="en-US" sz="1400" dirty="0"/>
               <a:t>Commands Used to Create Document:</a:t>
             </a:r>
           </a:p>
           <a:p>
             <a:pPr lvl="2"/>
             <a:r>
-              <a:rPr lang="en-US" sz="1000" dirty="0" err="1" smtClean="0"/>
+              <a:rPr lang="en-US" sz="1000" dirty="0" err="1"/>
               <a:t>db.collection.insert</a:t>
             </a:r>
             <a:r>
-              <a:rPr lang="en-US" sz="1000" dirty="0" smtClean="0"/>
+              <a:rPr lang="en-US" sz="1000" dirty="0"/>
               <a:t>()</a:t>
             </a:r>
           </a:p>
           <a:p>
             <a:pPr lvl="2"/>
             <a:r>
-              <a:rPr lang="en-US" sz="1000" dirty="0" err="1" smtClean="0"/>
+              <a:rPr lang="en-US" sz="1000" dirty="0" err="1"/>
               <a:t>db.collection.insertOne</a:t>
             </a:r>
             <a:r>
-              <a:rPr lang="en-US" sz="1000" dirty="0" smtClean="0"/>
+              <a:rPr lang="en-US" sz="1000" dirty="0"/>
               <a:t>();</a:t>
             </a:r>
           </a:p>
           <a:p>
             <a:pPr lvl="2"/>
             <a:r>
-              <a:rPr lang="en-US" sz="1000" dirty="0" err="1" smtClean="0"/>
+              <a:rPr lang="en-US" sz="1000" dirty="0" err="1"/>
               <a:t>db.collection.insert</a:t>
             </a:r>
             <a:r>
-              <a:rPr lang="en-US" sz="1000" dirty="0" smtClean="0"/>
+              <a:rPr lang="en-US" sz="1000" dirty="0"/>
               <a:t>();  </a:t>
             </a:r>
           </a:p>
           <a:p>
             <a:pPr lvl="1"/>
             <a:r>
-              <a:rPr lang="en-US" sz="1400" dirty="0" smtClean="0"/>
-              <a:t>Example to Insert Query</a:t>
-            </a:r>
-            <a:r>
               <a:rPr lang="en-US" sz="1400" dirty="0"/>
-              <a:t>: </a:t>
+              <a:t>Example to Insert Query: </a:t>
             </a:r>
             <a:r>
               <a:rPr lang="en-US" sz="1000" dirty="0"/>
@@ -4113,15 +4007,7 @@
             </a:r>
             <a:r>
               <a:rPr lang="en-US" sz="1000" dirty="0"/>
-              <a:t>" : </a:t>
-            </a:r>
-            <a:r>
-              <a:rPr lang="en-US" sz="1000" dirty="0" smtClean="0"/>
-              <a:t>					6123524974.110823463</a:t>
-            </a:r>
-            <a:r>
-              <a:rPr lang="en-US" sz="1000" dirty="0"/>
-              <a:t>,            "currency" : "USD"        },        {            "</a:t>
+              <a:t>" : 					6123524974.110823463,            "currency" : "USD"        },        {            "</a:t>
             </a:r>
             <a:r>
               <a:rPr lang="en-US" sz="1000" dirty="0" err="1"/>
@@ -4137,55 +4023,42 @@
             </a:r>
             <a:r>
               <a:rPr lang="en-US" sz="1000" dirty="0"/>
-              <a:t>" : </a:t>
-            </a:r>
-            <a:r>
-              <a:rPr lang="en-US" sz="1000" dirty="0" smtClean="0"/>
-              <a:t>					132933272.569229168</a:t>
+              <a:t>" : 					132933272.569229168,            "currency" : "EURO"        }    ]});</a:t>
+            </a:r>
+          </a:p>
+          <a:p>
+            <a:pPr lvl="1"/>
+            <a:r>
+              <a:rPr lang="en-US" sz="1400" dirty="0"/>
+              <a:t>Command Used to Read Documents:</a:t>
+            </a:r>
+          </a:p>
+          <a:p>
+            <a:pPr lvl="2"/>
+            <a:r>
+              <a:rPr lang="en-US" sz="1000" dirty="0" err="1"/>
+              <a:t>db.collection.find</a:t>
             </a:r>
             <a:r>
               <a:rPr lang="en-US" sz="1000" dirty="0"/>
-              <a:t>,            "currency" : "EURO"        }    </a:t>
-            </a:r>
-            <a:r>
-              <a:rPr lang="en-US" sz="1000" dirty="0" smtClean="0"/>
-              <a:t>]});</a:t>
+              <a:t>();</a:t>
+            </a:r>
+          </a:p>
+          <a:p>
+            <a:pPr lvl="2"/>
+            <a:r>
+              <a:rPr lang="en-US" sz="1000" dirty="0" err="1"/>
+              <a:t>Db.collection.findOne</a:t>
+            </a:r>
+            <a:r>
+              <a:rPr lang="en-US" sz="1000" dirty="0"/>
+              <a:t>();</a:t>
             </a:r>
           </a:p>
           <a:p>
             <a:pPr lvl="1"/>
             <a:r>
-              <a:rPr lang="en-US" sz="1400" dirty="0" smtClean="0"/>
-              <a:t>Command Used to Read Documents:</a:t>
-            </a:r>
-          </a:p>
-          <a:p>
-            <a:pPr lvl="2"/>
-            <a:r>
-              <a:rPr lang="en-US" sz="1000" dirty="0" err="1" smtClean="0"/>
-              <a:t>db.collection.find</a:t>
-            </a:r>
-            <a:r>
-              <a:rPr lang="en-US" sz="1000" dirty="0" smtClean="0"/>
-              <a:t>();</a:t>
-            </a:r>
-          </a:p>
-          <a:p>
-            <a:pPr lvl="2"/>
-            <a:r>
-              <a:rPr lang="en-US" sz="1000" dirty="0" err="1" smtClean="0"/>
-              <a:t>Db.collection.findOne</a:t>
-            </a:r>
-            <a:r>
-              <a:rPr lang="en-US" sz="1000" dirty="0" smtClean="0"/>
-              <a:t>();</a:t>
-            </a:r>
-            <a:endParaRPr lang="en-US" sz="1000" dirty="0"/>
-          </a:p>
-          <a:p>
-            <a:pPr lvl="1"/>
-            <a:r>
-              <a:rPr lang="en-US" sz="1400" dirty="0" smtClean="0"/>
+              <a:rPr lang="en-US" sz="1400" dirty="0"/>
               <a:t>Example for reading :  </a:t>
             </a:r>
             <a:r>
@@ -4201,72 +4074,56 @@
               <a:t>last_name":"SMITH</a:t>
             </a:r>
             <a:r>
-              <a:rPr lang="en-US" sz="1000" dirty="0" smtClean="0"/>
+              <a:rPr lang="en-US" sz="1000" dirty="0"/>
               <a:t>"});</a:t>
             </a:r>
           </a:p>
           <a:p>
             <a:pPr lvl="1"/>
-            <a:endParaRPr lang="en-US" sz="1000" dirty="0" smtClean="0"/>
+            <a:endParaRPr lang="en-US" sz="1000" dirty="0"/>
           </a:p>
           <a:p>
             <a:pPr lvl="1"/>
             <a:r>
-              <a:rPr lang="en-US" sz="1000" dirty="0" smtClean="0"/>
-              <a:t>Projections: </a:t>
-            </a:r>
-            <a:r>
               <a:rPr lang="en-US" sz="1000" dirty="0"/>
-              <a:t>In  </a:t>
-            </a:r>
-            <a:r>
-              <a:rPr lang="en-US" sz="1000" dirty="0" smtClean="0"/>
-              <a:t>Mongo DB </a:t>
-            </a:r>
-            <a:r>
-              <a:rPr lang="en-US" sz="1000" dirty="0"/>
-              <a:t>projection meaning is selecting only necessary data rather than selecting whole of the data of a </a:t>
-            </a:r>
-            <a:r>
-              <a:rPr lang="en-US" sz="1000" dirty="0" smtClean="0"/>
-              <a:t>document</a:t>
+              <a:t>Projections: In  Mongo DB projection meaning is selecting only necessary data rather than selecting whole of the data of a document</a:t>
             </a:r>
           </a:p>
           <a:p>
             <a:pPr lvl="2"/>
             <a:r>
-              <a:rPr lang="en-US" sz="1050" dirty="0" smtClean="0"/>
+              <a:rPr lang="en-US" sz="1050" dirty="0"/>
               <a:t>$</a:t>
             </a:r>
           </a:p>
           <a:p>
             <a:pPr lvl="2"/>
             <a:r>
-              <a:rPr lang="en-US" sz="1050" dirty="0" smtClean="0"/>
+              <a:rPr lang="en-US" sz="1050" dirty="0"/>
               <a:t>$</a:t>
             </a:r>
             <a:r>
-              <a:rPr lang="en-US" sz="1050" dirty="0" err="1" smtClean="0"/>
+              <a:rPr lang="en-US" sz="1050" dirty="0" err="1"/>
               <a:t>elemMatch</a:t>
             </a:r>
-            <a:endParaRPr lang="en-US" sz="1050" dirty="0" smtClean="0"/>
+            <a:endParaRPr lang="en-US" sz="1050" dirty="0"/>
           </a:p>
           <a:p>
             <a:pPr lvl="2"/>
             <a:r>
-              <a:rPr lang="en-US" sz="1050" dirty="0" smtClean="0"/>
+              <a:rPr lang="en-US" sz="1050" dirty="0"/>
               <a:t>$limit</a:t>
             </a:r>
             <a:endParaRPr lang="en-US" sz="1000" dirty="0"/>
           </a:p>
           <a:p>
             <a:pPr lvl="2"/>
-            <a:endParaRPr lang="en-US" sz="1000" dirty="0" smtClean="0"/>
+            <a:endParaRPr lang="en-US" sz="1000" dirty="0"/>
           </a:p>
           <a:p>
             <a:pPr lvl="1"/>
             <a:r>
-              <a:rPr lang="en-US" sz="1400" dirty="0" smtClean="0"/>
+              <a:rPr lang="en-US" sz="1400" dirty="0"/>
               <a:t>Example: </a:t>
             </a:r>
             <a:r>
@@ -4375,10 +4232,9 @@
           <a:lstStyle/>
           <a:p>
             <a:r>
-              <a:rPr lang="en-US" dirty="0" smtClean="0"/>
+              <a:rPr lang="en-US" dirty="0"/>
               <a:t>Comparison Operators</a:t>
             </a:r>
-            <a:endParaRPr lang="en-US" dirty="0"/>
           </a:p>
         </p:txBody>
       </p:sp>
@@ -4431,37 +4287,37 @@
           <a:lstStyle/>
           <a:p>
             <a:r>
-              <a:rPr lang="en-US" sz="1400" dirty="0" smtClean="0"/>
+              <a:rPr lang="en-US" sz="1400" dirty="0"/>
               <a:t>Example:        $</a:t>
             </a:r>
             <a:r>
-              <a:rPr lang="en-US" sz="1400" dirty="0" err="1" smtClean="0"/>
+              <a:rPr lang="en-US" sz="1400" dirty="0" err="1"/>
               <a:t>eq</a:t>
             </a:r>
             <a:r>
-              <a:rPr lang="en-US" sz="1400" dirty="0" smtClean="0"/>
+              <a:rPr lang="en-US" sz="1400" dirty="0"/>
               <a:t>:	</a:t>
             </a:r>
             <a:r>
-              <a:rPr lang="en-US" sz="1050" dirty="0" err="1" smtClean="0"/>
+              <a:rPr lang="en-US" sz="1050" dirty="0" err="1"/>
               <a:t>db.bank_data.find</a:t>
             </a:r>
             <a:r>
-              <a:rPr lang="en-US" sz="1050" dirty="0" smtClean="0"/>
+              <a:rPr lang="en-US" sz="1050" dirty="0"/>
               <a:t>({ "</a:t>
             </a:r>
             <a:r>
-              <a:rPr lang="en-US" sz="1050" dirty="0" err="1" smtClean="0"/>
+              <a:rPr lang="en-US" sz="1050" dirty="0" err="1"/>
               <a:t>accounts.account_balance</a:t>
             </a:r>
             <a:r>
-              <a:rPr lang="en-US" sz="1050" dirty="0" smtClean="0"/>
+              <a:rPr lang="en-US" sz="1050" dirty="0"/>
               <a:t>": {$eq:132933272.569229168}}).pretty()</a:t>
             </a:r>
           </a:p>
           <a:p>
             <a:r>
-              <a:rPr lang="en-US" sz="1050" dirty="0" smtClean="0"/>
+              <a:rPr lang="en-US" sz="1050" dirty="0"/>
               <a:t>	</a:t>
             </a:r>
             <a:r>
@@ -4485,26 +4341,25 @@
               <a:t>:</a:t>
             </a:r>
             <a:r>
-              <a:rPr lang="en-US" sz="1050" dirty="0" smtClean="0"/>
+              <a:rPr lang="en-US" sz="1050" dirty="0"/>
               <a:t>	</a:t>
             </a:r>
             <a:r>
-              <a:rPr lang="en-US" sz="1050" dirty="0" err="1" smtClean="0"/>
+              <a:rPr lang="en-US" sz="1050" dirty="0" err="1"/>
               <a:t>db.bank_data.find</a:t>
             </a:r>
             <a:r>
-              <a:rPr lang="en-US" sz="1050" dirty="0" smtClean="0"/>
+              <a:rPr lang="en-US" sz="1050" dirty="0"/>
               <a:t>({ "</a:t>
             </a:r>
             <a:r>
-              <a:rPr lang="en-US" sz="1050" dirty="0" err="1" smtClean="0"/>
+              <a:rPr lang="en-US" sz="1050" dirty="0" err="1"/>
               <a:t>accounts.account_balance</a:t>
             </a:r>
             <a:r>
-              <a:rPr lang="en-US" sz="1050" dirty="0" smtClean="0"/>
+              <a:rPr lang="en-US" sz="1050" dirty="0"/>
               <a:t>": {$gte:8554996,$lte:9000000}}).pretty()[4];</a:t>
             </a:r>
-            <a:endParaRPr lang="en-US" sz="1050" dirty="0"/>
           </a:p>
         </p:txBody>
       </p:sp>
@@ -4595,10 +4450,9 @@
           <a:lstStyle/>
           <a:p>
             <a:r>
-              <a:rPr lang="en-US" dirty="0" smtClean="0"/>
+              <a:rPr lang="en-US" dirty="0"/>
               <a:t>Logical Operators</a:t>
             </a:r>
-            <a:endParaRPr lang="en-US" dirty="0"/>
           </a:p>
         </p:txBody>
       </p:sp>
@@ -4622,8 +4476,20 @@
             <a:tbl>
               <a:tblPr/>
               <a:tblGrid>
-                <a:gridCol w="1003555"/>
-                <a:gridCol w="7359395"/>
+                <a:gridCol w="1003555">
+                  <a:extLst>
+                    <a:ext uri="{9D8B030D-6E8A-4147-A177-3AD203B41FA5}">
+                      <a16:colId xmlns:a16="http://schemas.microsoft.com/office/drawing/2014/main" val="20000"/>
+                    </a:ext>
+                  </a:extLst>
+                </a:gridCol>
+                <a:gridCol w="7359395">
+                  <a:extLst>
+                    <a:ext uri="{9D8B030D-6E8A-4147-A177-3AD203B41FA5}">
+                      <a16:colId xmlns:a16="http://schemas.microsoft.com/office/drawing/2014/main" val="20001"/>
+                    </a:ext>
+                  </a:extLst>
+                </a:gridCol>
               </a:tblGrid>
               <a:tr h="490448">
                 <a:tc>
@@ -4702,6 +4568,11 @@
                     </a:solidFill>
                   </a:tcPr>
                 </a:tc>
+                <a:extLst>
+                  <a:ext uri="{0D108BD9-81ED-4DB2-BD59-A6C34878D82A}">
+                    <a16:rowId xmlns:a16="http://schemas.microsoft.com/office/drawing/2014/main" val="10000"/>
+                  </a:ext>
+                </a:extLst>
               </a:tr>
               <a:tr h="619147">
                 <a:tc>
@@ -4812,6 +4683,11 @@
                     </a:solidFill>
                   </a:tcPr>
                 </a:tc>
+                <a:extLst>
+                  <a:ext uri="{0D108BD9-81ED-4DB2-BD59-A6C34878D82A}">
+                    <a16:rowId xmlns:a16="http://schemas.microsoft.com/office/drawing/2014/main" val="10001"/>
+                  </a:ext>
+                </a:extLst>
               </a:tr>
               <a:tr h="619147">
                 <a:tc>
@@ -4922,6 +4798,11 @@
                     </a:solidFill>
                   </a:tcPr>
                 </a:tc>
+                <a:extLst>
+                  <a:ext uri="{0D108BD9-81ED-4DB2-BD59-A6C34878D82A}">
+                    <a16:rowId xmlns:a16="http://schemas.microsoft.com/office/drawing/2014/main" val="10002"/>
+                  </a:ext>
+                </a:extLst>
               </a:tr>
               <a:tr h="619147">
                 <a:tc>
@@ -5031,6 +4912,11 @@
                     </a:solidFill>
                   </a:tcPr>
                 </a:tc>
+                <a:extLst>
+                  <a:ext uri="{0D108BD9-81ED-4DB2-BD59-A6C34878D82A}">
+                    <a16:rowId xmlns:a16="http://schemas.microsoft.com/office/drawing/2014/main" val="10003"/>
+                  </a:ext>
+                </a:extLst>
               </a:tr>
               <a:tr h="619147">
                 <a:tc>
@@ -5141,6 +5027,11 @@
                     </a:solidFill>
                   </a:tcPr>
                 </a:tc>
+                <a:extLst>
+                  <a:ext uri="{0D108BD9-81ED-4DB2-BD59-A6C34878D82A}">
+                    <a16:rowId xmlns:a16="http://schemas.microsoft.com/office/drawing/2014/main" val="10004"/>
+                  </a:ext>
+                </a:extLst>
               </a:tr>
             </a:tbl>
           </a:graphicData>
@@ -5173,7 +5064,7 @@
               <a:buChar char="•"/>
             </a:pPr>
             <a:r>
-              <a:rPr lang="en-US" sz="1400" dirty="0" smtClean="0"/>
+              <a:rPr lang="en-US" sz="1400" dirty="0"/>
               <a:t>Examples:  </a:t>
             </a:r>
           </a:p>
@@ -5183,31 +5074,31 @@
               <a:buChar char="•"/>
             </a:pPr>
             <a:r>
-              <a:rPr lang="en-US" sz="1050" dirty="0" smtClean="0"/>
+              <a:rPr lang="en-US" sz="1050" dirty="0"/>
               <a:t>$and </a:t>
             </a:r>
             <a:r>
-              <a:rPr lang="en-US" sz="1050" dirty="0" err="1" smtClean="0"/>
+              <a:rPr lang="en-US" sz="1050" dirty="0" err="1"/>
               <a:t>db.bank_data.find</a:t>
             </a:r>
             <a:r>
-              <a:rPr lang="en-US" sz="1050" dirty="0" smtClean="0"/>
+              <a:rPr lang="en-US" sz="1050" dirty="0"/>
               <a:t>({$and:[{"</a:t>
             </a:r>
             <a:r>
-              <a:rPr lang="en-US" sz="1050" dirty="0" err="1" smtClean="0"/>
+              <a:rPr lang="en-US" sz="1050" dirty="0" err="1"/>
               <a:t>accounts.account_type":"Checking</a:t>
             </a:r>
             <a:r>
-              <a:rPr lang="en-US" sz="1050" dirty="0" smtClean="0"/>
+              <a:rPr lang="en-US" sz="1050" dirty="0"/>
               <a:t>"}, { "</a:t>
             </a:r>
             <a:r>
-              <a:rPr lang="en-US" sz="1050" dirty="0" err="1" smtClean="0"/>
+              <a:rPr lang="en-US" sz="1050" dirty="0" err="1"/>
               <a:t>accounts.account_balance</a:t>
             </a:r>
             <a:r>
-              <a:rPr lang="en-US" sz="1050" dirty="0" smtClean="0"/>
+              <a:rPr lang="en-US" sz="1050" dirty="0"/>
               <a:t>": 		{$gte:8554996,$lte:9000000}}]}).pretty()[4];</a:t>
             </a:r>
           </a:p>
@@ -5217,31 +5108,31 @@
               <a:buChar char="•"/>
             </a:pPr>
             <a:r>
-              <a:rPr lang="en-US" sz="1050" dirty="0" smtClean="0"/>
+              <a:rPr lang="en-US" sz="1050" dirty="0"/>
               <a:t>$or  </a:t>
             </a:r>
             <a:r>
-              <a:rPr lang="en-US" sz="1050" dirty="0" err="1" smtClean="0"/>
+              <a:rPr lang="en-US" sz="1050" dirty="0" err="1"/>
               <a:t>db.bank_data.find</a:t>
             </a:r>
             <a:r>
-              <a:rPr lang="en-US" sz="1050" dirty="0" smtClean="0"/>
+              <a:rPr lang="en-US" sz="1050" dirty="0"/>
               <a:t>({$and:[{"</a:t>
             </a:r>
             <a:r>
-              <a:rPr lang="en-US" sz="1050" dirty="0" err="1" smtClean="0"/>
+              <a:rPr lang="en-US" sz="1050" dirty="0" err="1"/>
               <a:t>accounts.account_type":"Investment</a:t>
             </a:r>
             <a:r>
-              <a:rPr lang="en-US" sz="1050" dirty="0" smtClean="0"/>
+              <a:rPr lang="en-US" sz="1050" dirty="0"/>
               <a:t>"},{"</a:t>
             </a:r>
             <a:r>
-              <a:rPr lang="en-US" sz="1050" dirty="0" err="1" smtClean="0"/>
+              <a:rPr lang="en-US" sz="1050" dirty="0" err="1"/>
               <a:t>accounts.account_type":"Savings</a:t>
             </a:r>
             <a:r>
-              <a:rPr lang="en-US" sz="1050" dirty="0" smtClean="0"/>
+              <a:rPr lang="en-US" sz="1050" dirty="0"/>
               <a:t>"}]}).pretty()[4];</a:t>
             </a:r>
           </a:p>
@@ -5337,10 +5228,9 @@
           <a:lstStyle/>
           <a:p>
             <a:r>
-              <a:rPr lang="en-US" dirty="0" smtClean="0"/>
+              <a:rPr lang="en-US" dirty="0"/>
               <a:t>Array and Regex Operator</a:t>
             </a:r>
-            <a:endParaRPr lang="en-US" dirty="0"/>
           </a:p>
         </p:txBody>
       </p:sp>
@@ -5364,8 +5254,20 @@
             <a:tbl>
               <a:tblPr/>
               <a:tblGrid>
-                <a:gridCol w="5257800"/>
-                <a:gridCol w="5257800"/>
+                <a:gridCol w="5257800">
+                  <a:extLst>
+                    <a:ext uri="{9D8B030D-6E8A-4147-A177-3AD203B41FA5}">
+                      <a16:colId xmlns:a16="http://schemas.microsoft.com/office/drawing/2014/main" val="20000"/>
+                    </a:ext>
+                  </a:extLst>
+                </a:gridCol>
+                <a:gridCol w="5257800">
+                  <a:extLst>
+                    <a:ext uri="{9D8B030D-6E8A-4147-A177-3AD203B41FA5}">
+                      <a16:colId xmlns:a16="http://schemas.microsoft.com/office/drawing/2014/main" val="20001"/>
+                    </a:ext>
+                  </a:extLst>
+                </a:gridCol>
               </a:tblGrid>
               <a:tr h="0">
                 <a:tc>
@@ -5444,6 +5346,11 @@
                     </a:solidFill>
                   </a:tcPr>
                 </a:tc>
+                <a:extLst>
+                  <a:ext uri="{0D108BD9-81ED-4DB2-BD59-A6C34878D82A}">
+                    <a16:rowId xmlns:a16="http://schemas.microsoft.com/office/drawing/2014/main" val="10000"/>
+                  </a:ext>
+                </a:extLst>
               </a:tr>
               <a:tr h="0">
                 <a:tc>
@@ -5541,6 +5448,11 @@
                     </a:solidFill>
                   </a:tcPr>
                 </a:tc>
+                <a:extLst>
+                  <a:ext uri="{0D108BD9-81ED-4DB2-BD59-A6C34878D82A}">
+                    <a16:rowId xmlns:a16="http://schemas.microsoft.com/office/drawing/2014/main" val="10001"/>
+                  </a:ext>
+                </a:extLst>
               </a:tr>
               <a:tr h="0">
                 <a:tc>
@@ -5680,6 +5592,11 @@
                     </a:solidFill>
                   </a:tcPr>
                 </a:tc>
+                <a:extLst>
+                  <a:ext uri="{0D108BD9-81ED-4DB2-BD59-A6C34878D82A}">
+                    <a16:rowId xmlns:a16="http://schemas.microsoft.com/office/drawing/2014/main" val="10002"/>
+                  </a:ext>
+                </a:extLst>
               </a:tr>
               <a:tr h="0">
                 <a:tc>
@@ -5777,6 +5694,11 @@
                     </a:solidFill>
                   </a:tcPr>
                 </a:tc>
+                <a:extLst>
+                  <a:ext uri="{0D108BD9-81ED-4DB2-BD59-A6C34878D82A}">
+                    <a16:rowId xmlns:a16="http://schemas.microsoft.com/office/drawing/2014/main" val="10003"/>
+                  </a:ext>
+                </a:extLst>
               </a:tr>
             </a:tbl>
           </a:graphicData>
@@ -5805,82 +5727,81 @@
           <a:lstStyle/>
           <a:p>
             <a:r>
-              <a:rPr lang="en-US" sz="1400" dirty="0" smtClean="0"/>
+              <a:rPr lang="en-US" sz="1400" dirty="0"/>
               <a:t>Example</a:t>
             </a:r>
             <a:r>
-              <a:rPr lang="en-US" dirty="0" smtClean="0"/>
+              <a:rPr lang="en-US" dirty="0"/>
               <a:t> </a:t>
             </a:r>
             <a:r>
-              <a:rPr lang="en-US" sz="1050" dirty="0" smtClean="0"/>
+              <a:rPr lang="en-US" sz="1050" dirty="0"/>
               <a:t>$</a:t>
             </a:r>
             <a:r>
-              <a:rPr lang="en-US" sz="1050" dirty="0" err="1" smtClean="0"/>
+              <a:rPr lang="en-US" sz="1050" dirty="0" err="1"/>
               <a:t>elemMatch</a:t>
             </a:r>
             <a:r>
-              <a:rPr lang="en-US" sz="1050" dirty="0" smtClean="0"/>
+              <a:rPr lang="en-US" sz="1050" dirty="0"/>
               <a:t>:  </a:t>
             </a:r>
             <a:r>
-              <a:rPr lang="en-US" sz="1050" dirty="0" err="1" smtClean="0"/>
+              <a:rPr lang="en-US" sz="1050" dirty="0" err="1"/>
               <a:t>db.bank_data.find</a:t>
             </a:r>
             <a:r>
-              <a:rPr lang="en-US" sz="1050" dirty="0" smtClean="0"/>
+              <a:rPr lang="en-US" sz="1050" dirty="0"/>
               <a:t>({</a:t>
             </a:r>
             <a:r>
-              <a:rPr lang="en-US" sz="1050" dirty="0" err="1" smtClean="0"/>
+              <a:rPr lang="en-US" sz="1050" dirty="0" err="1"/>
               <a:t>last_name</a:t>
             </a:r>
             <a:r>
-              <a:rPr lang="en-US" sz="1050" dirty="0" smtClean="0"/>
+              <a:rPr lang="en-US" sz="1050" dirty="0"/>
               <a:t>: "SMITH", "</a:t>
             </a:r>
             <a:r>
-              <a:rPr lang="en-US" sz="1050" dirty="0" err="1" smtClean="0"/>
+              <a:rPr lang="en-US" sz="1050" dirty="0" err="1"/>
               <a:t>accounts.account_type</a:t>
             </a:r>
             <a:r>
-              <a:rPr lang="en-US" sz="1050" dirty="0" smtClean="0"/>
+              <a:rPr lang="en-US" sz="1050" dirty="0"/>
               <a:t>": "Savings" }, { </a:t>
             </a:r>
             <a:r>
-              <a:rPr lang="en-US" sz="1050" dirty="0" err="1" smtClean="0"/>
+              <a:rPr lang="en-US" sz="1050" dirty="0" err="1"/>
               <a:t>first_name</a:t>
             </a:r>
             <a:r>
-              <a:rPr lang="en-US" sz="1050" dirty="0" smtClean="0"/>
+              <a:rPr lang="en-US" sz="1050" dirty="0"/>
               <a:t>: 1, </a:t>
             </a:r>
             <a:r>
-              <a:rPr lang="en-US" sz="1050" dirty="0" err="1" smtClean="0"/>
+              <a:rPr lang="en-US" sz="1050" dirty="0" err="1"/>
               <a:t>last_name</a:t>
             </a:r>
             <a:r>
-              <a:rPr lang="en-US" sz="1050" dirty="0" smtClean="0"/>
+              <a:rPr lang="en-US" sz="1050" dirty="0"/>
               <a:t>: 1, accounts: { $</a:t>
             </a:r>
             <a:r>
-              <a:rPr lang="en-US" sz="1050" dirty="0" err="1" smtClean="0"/>
+              <a:rPr lang="en-US" sz="1050" dirty="0" err="1"/>
               <a:t>elemMatch</a:t>
             </a:r>
             <a:r>
-              <a:rPr lang="en-US" sz="1050" dirty="0" smtClean="0"/>
+              <a:rPr lang="en-US" sz="1050" dirty="0"/>
               <a:t> : { '</a:t>
             </a:r>
             <a:r>
-              <a:rPr lang="en-US" sz="1050" dirty="0" err="1" smtClean="0"/>
+              <a:rPr lang="en-US" sz="1050" dirty="0" err="1"/>
               <a:t>account_type</a:t>
             </a:r>
             <a:r>
-              <a:rPr lang="en-US" sz="1050" dirty="0" smtClean="0"/>
+              <a:rPr lang="en-US" sz="1050" dirty="0"/>
               <a:t>' : 'Savings' } } } ).pretty();</a:t>
             </a:r>
-            <a:endParaRPr lang="en-US" sz="1050" dirty="0"/>
           </a:p>
         </p:txBody>
       </p:sp>
@@ -5907,7 +5828,7 @@
           <a:lstStyle/>
           <a:p>
             <a:r>
-              <a:rPr lang="en-US" sz="1400" dirty="0" smtClean="0"/>
+              <a:rPr lang="en-US" sz="1400" dirty="0"/>
               <a:t>$regex: </a:t>
             </a:r>
             <a:r>
@@ -5924,38 +5845,33 @@
             </a:r>
           </a:p>
           <a:p>
-            <a:r>
-              <a:rPr lang="en-US" sz="1050" dirty="0" smtClean="0"/>
-              <a:t/>
-            </a:r>
             <a:br>
-              <a:rPr lang="en-US" sz="1050" dirty="0" smtClean="0"/>
+              <a:rPr lang="en-US" sz="1050" dirty="0"/>
             </a:br>
             <a:r>
-              <a:rPr lang="en-US" sz="1400" dirty="0" smtClean="0"/>
+              <a:rPr lang="en-US" sz="1400" dirty="0"/>
               <a:t>Example</a:t>
             </a:r>
             <a:r>
-              <a:rPr lang="en-US" sz="1050" dirty="0" smtClean="0"/>
+              <a:rPr lang="en-US" sz="1050" dirty="0"/>
               <a:t>: </a:t>
             </a:r>
             <a:r>
-              <a:rPr lang="en-US" sz="1050" dirty="0" err="1" smtClean="0"/>
+              <a:rPr lang="en-US" sz="1050" dirty="0" err="1"/>
               <a:t>db.bank_data.find</a:t>
             </a:r>
             <a:r>
-              <a:rPr lang="en-US" sz="1050" dirty="0" smtClean="0"/>
+              <a:rPr lang="en-US" sz="1050" dirty="0"/>
               <a:t>({"</a:t>
             </a:r>
             <a:r>
-              <a:rPr lang="en-US" sz="1050" dirty="0" err="1" smtClean="0"/>
+              <a:rPr lang="en-US" sz="1050" dirty="0" err="1"/>
               <a:t>first_name</a:t>
             </a:r>
             <a:r>
-              <a:rPr lang="en-US" sz="1050" dirty="0" smtClean="0"/>
+              <a:rPr lang="en-US" sz="1050" dirty="0"/>
               <a:t>":{$regex:/^RI.*/}},{"first_name":1,"last_name":1,"_id":0}).pretty();</a:t>
             </a:r>
-            <a:endParaRPr lang="en-US" sz="1050" dirty="0"/>
           </a:p>
         </p:txBody>
       </p:sp>
@@ -6046,10 +5962,9 @@
           <a:lstStyle/>
           <a:p>
             <a:r>
-              <a:rPr lang="en-US" dirty="0" smtClean="0"/>
+              <a:rPr lang="en-US" dirty="0"/>
               <a:t>Update and Remove Queries</a:t>
             </a:r>
-            <a:endParaRPr lang="en-US" dirty="0"/>
           </a:p>
         </p:txBody>
       </p:sp>
@@ -6088,39 +6003,35 @@
             </a:r>
             <a:r>
               <a:rPr lang="en-US" sz="1200" dirty="0"/>
-              <a:t> methods are used to update document into a collection. The update() method update values in the existing document while the save() method replaces the existing document with the document passed in save() method</a:t>
-            </a:r>
-            <a:r>
-              <a:rPr lang="en-US" sz="1200" dirty="0" smtClean="0"/>
-              <a:t>.</a:t>
-            </a:r>
-          </a:p>
-          <a:p>
-            <a:endParaRPr lang="en-US" sz="1200" dirty="0" smtClean="0"/>
+              <a:t> methods are used to update document into a collection. The update() method update values in the existing document while the save() method replaces the existing document with the document passed in save() method.</a:t>
+            </a:r>
           </a:p>
           <a:p>
             <a:endParaRPr lang="en-US" sz="1200" dirty="0"/>
           </a:p>
           <a:p>
-            <a:endParaRPr lang="en-US" sz="1200" dirty="0" smtClean="0"/>
-          </a:p>
-          <a:p>
             <a:endParaRPr lang="en-US" sz="1200" dirty="0"/>
           </a:p>
           <a:p>
-            <a:endParaRPr lang="en-US" sz="1200" dirty="0" smtClean="0"/>
-          </a:p>
-          <a:p>
             <a:endParaRPr lang="en-US" sz="1200" dirty="0"/>
           </a:p>
           <a:p>
-            <a:endParaRPr lang="en-US" sz="1200" dirty="0" smtClean="0"/>
-          </a:p>
-          <a:p>
             <a:endParaRPr lang="en-US" sz="1200" dirty="0"/>
           </a:p>
           <a:p>
-            <a:endParaRPr lang="en-US" sz="1200" dirty="0" smtClean="0"/>
+            <a:endParaRPr lang="en-US" sz="1200" dirty="0"/>
+          </a:p>
+          <a:p>
+            <a:endParaRPr lang="en-US" sz="1200" dirty="0"/>
+          </a:p>
+          <a:p>
+            <a:endParaRPr lang="en-US" sz="1200" dirty="0"/>
+          </a:p>
+          <a:p>
+            <a:endParaRPr lang="en-US" sz="1200" dirty="0"/>
+          </a:p>
+          <a:p>
+            <a:endParaRPr lang="en-US" sz="1200" dirty="0"/>
           </a:p>
           <a:p>
             <a:r>
@@ -6141,32 +6052,28 @@
             </a:r>
             <a:r>
               <a:rPr lang="en-US" sz="1200" dirty="0"/>
-              <a:t> </a:t>
-            </a:r>
-            <a:r>
-              <a:rPr lang="en-US" sz="1200" dirty="0" smtClean="0"/>
-              <a:t>flag</a:t>
-            </a:r>
-          </a:p>
-          <a:p>
-            <a:r>
-              <a:rPr lang="en-US" sz="1200" dirty="0" smtClean="0"/>
+              <a:t> flag</a:t>
+            </a:r>
+          </a:p>
+          <a:p>
+            <a:r>
+              <a:rPr lang="en-US" sz="1200" dirty="0"/>
               <a:t>Example: </a:t>
             </a:r>
             <a:r>
-              <a:rPr lang="en-US" sz="1200" dirty="0" err="1" smtClean="0"/>
+              <a:rPr lang="en-US" sz="1200" dirty="0" err="1"/>
               <a:t>db.collection.remove</a:t>
             </a:r>
             <a:r>
-              <a:rPr lang="en-US" sz="1200" dirty="0" smtClean="0"/>
+              <a:rPr lang="en-US" sz="1200" dirty="0"/>
               <a:t>({”</a:t>
             </a:r>
             <a:r>
-              <a:rPr lang="en-US" sz="1200" err="1" smtClean="0"/>
+              <a:rPr lang="en-US" sz="1200" err="1"/>
               <a:t>last_name</a:t>
             </a:r>
             <a:r>
-              <a:rPr lang="en-US" sz="1200" smtClean="0"/>
+              <a:rPr lang="en-US" sz="1200"/>
               <a:t>”:”SMITH”});</a:t>
             </a:r>
             <a:endParaRPr lang="en-US" sz="1200" dirty="0"/>
@@ -6284,10 +6191,9 @@
           <a:lstStyle/>
           <a:p>
             <a:r>
-              <a:rPr lang="en-US" dirty="0" smtClean="0"/>
+              <a:rPr lang="en-US" dirty="0"/>
               <a:t>Replication Architecture</a:t>
             </a:r>
-            <a:endParaRPr lang="en-US" dirty="0"/>
           </a:p>
         </p:txBody>
       </p:sp>
@@ -6344,19 +6250,19 @@
           <a:lstStyle/>
           <a:p>
             <a:r>
-              <a:rPr lang="en-US" dirty="0" smtClean="0">
+              <a:rPr lang="en-US" dirty="0">
                 <a:latin typeface="+mj-lt"/>
               </a:rPr>
               <a:t>Replication set – multiple </a:t>
             </a:r>
             <a:r>
-              <a:rPr lang="en-US" dirty="0" err="1" smtClean="0">
+              <a:rPr lang="en-US" dirty="0" err="1">
                 <a:latin typeface="+mj-lt"/>
               </a:rPr>
               <a:t>mongod</a:t>
             </a:r>
             <a:r>
-              <a:rPr lang="en-US" dirty="0" smtClean="0">
+              <a:rPr lang="en-US" dirty="0">
                 <a:latin typeface="+mj-lt"/>
               </a:rPr>
               <a:t> instances</a:t>
@@ -6364,13 +6270,13 @@
           </a:p>
           <a:p>
             <a:r>
-              <a:rPr lang="en-US" dirty="0" err="1" smtClean="0">
+              <a:rPr lang="en-US" dirty="0" err="1">
                 <a:latin typeface="+mj-lt"/>
               </a:rPr>
               <a:t>Upto</a:t>
             </a:r>
             <a:r>
-              <a:rPr lang="en-US" dirty="0" smtClean="0">
+              <a:rPr lang="en-US" dirty="0">
                 <a:latin typeface="+mj-lt"/>
               </a:rPr>
               <a:t> 50 secondary allowed</a:t>
@@ -6378,7 +6284,7 @@
           </a:p>
           <a:p>
             <a:r>
-              <a:rPr lang="en-US" dirty="0" smtClean="0">
+              <a:rPr lang="en-US" dirty="0">
                 <a:latin typeface="+mj-lt"/>
               </a:rPr>
               <a:t>Primary authoritative node</a:t>
@@ -6387,7 +6293,7 @@
           <a:p>
             <a:pPr lvl="1"/>
             <a:r>
-              <a:rPr lang="en-US" dirty="0" smtClean="0">
+              <a:rPr lang="en-US" dirty="0">
                 <a:latin typeface="+mj-lt"/>
               </a:rPr>
               <a:t>Read</a:t>
@@ -6396,7 +6302,7 @@
           <a:p>
             <a:pPr lvl="1"/>
             <a:r>
-              <a:rPr lang="en-US" dirty="0" smtClean="0">
+              <a:rPr lang="en-US" dirty="0">
                 <a:latin typeface="+mj-lt"/>
               </a:rPr>
               <a:t>Writes</a:t>
@@ -6404,7 +6310,7 @@
           </a:p>
           <a:p>
             <a:r>
-              <a:rPr lang="en-US" dirty="0" smtClean="0">
+              <a:rPr lang="en-US" dirty="0">
                 <a:latin typeface="+mj-lt"/>
               </a:rPr>
               <a:t>Secondary nodes</a:t>
@@ -6413,7 +6319,7 @@
           <a:p>
             <a:pPr lvl="1"/>
             <a:r>
-              <a:rPr lang="en-US" dirty="0" smtClean="0">
+              <a:rPr lang="en-US" dirty="0">
                 <a:latin typeface="+mj-lt"/>
               </a:rPr>
               <a:t>Reads</a:t>
@@ -6421,7 +6327,7 @@
           </a:p>
           <a:p>
             <a:r>
-              <a:rPr lang="en-US" dirty="0" smtClean="0">
+              <a:rPr lang="en-US" dirty="0">
                 <a:latin typeface="+mj-lt"/>
               </a:rPr>
               <a:t>At most 12 replica sets are allowed.</a:t>
@@ -6435,12 +6341,12 @@
           </a:p>
           <a:p>
             <a:pPr lvl="1"/>
-            <a:endParaRPr lang="en-US" dirty="0" smtClean="0">
+            <a:endParaRPr lang="en-US" dirty="0">
               <a:latin typeface="+mj-lt"/>
             </a:endParaRPr>
           </a:p>
           <a:p>
-            <a:endParaRPr lang="en-US" dirty="0" smtClean="0">
+            <a:endParaRPr lang="en-US" dirty="0">
               <a:latin typeface="+mj-lt"/>
             </a:endParaRPr>
           </a:p>
@@ -6491,13 +6397,6 @@
   <p:clrMapOvr>
     <a:masterClrMapping/>
   </p:clrMapOvr>
-  <p:timing>
-    <p:tnLst>
-      <p:par>
-        <p:cTn id="1" dur="indefinite" restart="never" nodeType="tmRoot"/>
-      </p:par>
-    </p:tnLst>
-  </p:timing>
 </p:sld>
 </file>
 
@@ -6926,13 +6825,6 @@
       <p:transition spd="slow" advTm="23443"/>
     </mc:Fallback>
   </mc:AlternateContent>
-  <p:timing>
-    <p:tnLst>
-      <p:par>
-        <p:cTn id="1" dur="indefinite" restart="never" nodeType="tmRoot"/>
-      </p:par>
-    </p:tnLst>
-  </p:timing>
 </p:sld>
 </file>
 
@@ -7172,14 +7064,11 @@
               <a:buNone/>
             </a:pPr>
             <a:r>
-              <a:rPr lang="en-US" sz="4000" dirty="0" smtClean="0">
+              <a:rPr lang="en-US" sz="4000" dirty="0">
                 <a:latin typeface="+mj-lt"/>
               </a:rPr>
               <a:t>Automatic Failover</a:t>
             </a:r>
-            <a:endParaRPr lang="en-US" sz="4000" dirty="0">
-              <a:latin typeface="+mj-lt"/>
-            </a:endParaRPr>
           </a:p>
         </p:txBody>
       </p:sp>
@@ -7268,13 +7157,6 @@
   <p:clrMapOvr>
     <a:masterClrMapping/>
   </p:clrMapOvr>
-  <p:timing>
-    <p:tnLst>
-      <p:par>
-        <p:cTn id="1" dur="indefinite" restart="never" nodeType="tmRoot"/>
-      </p:par>
-    </p:tnLst>
-  </p:timing>
 </p:sld>
 </file>
 
@@ -7311,10 +7193,9 @@
           <a:lstStyle/>
           <a:p>
             <a:r>
-              <a:rPr lang="en-US" dirty="0" smtClean="0"/>
+              <a:rPr lang="en-US" dirty="0"/>
               <a:t>Partition Tolerance</a:t>
             </a:r>
-            <a:endParaRPr lang="en-US" dirty="0"/>
           </a:p>
         </p:txBody>
       </p:sp>
@@ -7364,7 +7245,7 @@
           <a:lstStyle/>
           <a:p>
             <a:r>
-              <a:rPr lang="en-US" dirty="0" smtClean="0">
+              <a:rPr lang="en-US" dirty="0">
                 <a:solidFill>
                   <a:schemeClr val="bg2">
                     <a:lumMod val="50000"/>
@@ -7373,13 +7254,6 @@
               </a:rPr>
               <a:t>http://www.ccs.neu.edu/home/kathleen/classes/cs3200/20-NoSQLMongoDB.pdf</a:t>
             </a:r>
-            <a:endParaRPr lang="en-US" dirty="0">
-              <a:solidFill>
-                <a:schemeClr val="bg2">
-                  <a:lumMod val="50000"/>
-                </a:schemeClr>
-              </a:solidFill>
-            </a:endParaRPr>
           </a:p>
         </p:txBody>
       </p:sp>
@@ -7434,13 +7308,6 @@
   <p:clrMapOvr>
     <a:masterClrMapping/>
   </p:clrMapOvr>
-  <p:timing>
-    <p:tnLst>
-      <p:par>
-        <p:cTn id="1" dur="indefinite" restart="never" nodeType="tmRoot"/>
-      </p:par>
-    </p:tnLst>
-  </p:timing>
 </p:sld>
 </file>
 
@@ -7485,7 +7352,7 @@
               <a:buNone/>
             </a:pPr>
             <a:r>
-              <a:rPr lang="en-US" dirty="0" smtClean="0">
+              <a:rPr lang="en-US" dirty="0">
                 <a:solidFill>
                   <a:srgbClr val="92D050"/>
                 </a:solidFill>
@@ -7496,7 +7363,7 @@
           </a:p>
           <a:p>
             <a:r>
-              <a:rPr lang="en-US" dirty="0" smtClean="0">
+              <a:rPr lang="en-US" dirty="0">
                 <a:latin typeface="+mj-lt"/>
               </a:rPr>
               <a:t>CP System</a:t>
@@ -7504,7 +7371,7 @@
           </a:p>
           <a:p>
             <a:r>
-              <a:rPr lang="en-US" dirty="0" smtClean="0">
+              <a:rPr lang="en-US" dirty="0">
                 <a:latin typeface="+mj-lt"/>
               </a:rPr>
               <a:t>Write Concern?</a:t>
@@ -7513,7 +7380,7 @@
           <a:p>
             <a:pPr lvl="1"/>
             <a:r>
-              <a:rPr lang="en-US" dirty="0" smtClean="0">
+              <a:rPr lang="en-US" dirty="0">
                 <a:latin typeface="+mj-lt"/>
               </a:rPr>
               <a:t>Lets you choose when was a write successful. Acknowledgements like</a:t>
@@ -7522,7 +7389,7 @@
           <a:p>
             <a:pPr lvl="2"/>
             <a:r>
-              <a:rPr lang="en-US" dirty="0" smtClean="0">
+              <a:rPr lang="en-US" dirty="0">
                 <a:latin typeface="+mj-lt"/>
               </a:rPr>
               <a:t>error ignored</a:t>
@@ -7531,7 +7398,7 @@
           <a:p>
             <a:pPr lvl="2"/>
             <a:r>
-              <a:rPr lang="en-US" dirty="0" smtClean="0">
+              <a:rPr lang="en-US" dirty="0">
                 <a:latin typeface="+mj-lt"/>
               </a:rPr>
               <a:t>How many nodes must have write acknowledged.</a:t>
@@ -7539,13 +7406,13 @@
           </a:p>
           <a:p>
             <a:pPr lvl="2"/>
-            <a:endParaRPr lang="en-US" dirty="0" smtClean="0">
+            <a:endParaRPr lang="en-US" dirty="0">
               <a:latin typeface="+mj-lt"/>
             </a:endParaRPr>
           </a:p>
           <a:p>
             <a:r>
-              <a:rPr lang="en-US" dirty="0" smtClean="0">
+              <a:rPr lang="en-US" dirty="0">
                 <a:latin typeface="+mj-lt"/>
               </a:rPr>
               <a:t>Read Preferences:</a:t>
@@ -7554,7 +7421,7 @@
           <a:p>
             <a:pPr lvl="1"/>
             <a:r>
-              <a:rPr lang="en-US" dirty="0" smtClean="0">
+              <a:rPr lang="en-US" dirty="0">
                 <a:latin typeface="+mj-lt"/>
               </a:rPr>
               <a:t>Allows you to choose where to read from.</a:t>
@@ -7563,7 +7430,7 @@
           <a:p>
             <a:pPr lvl="2"/>
             <a:r>
-              <a:rPr lang="en-US" dirty="0" smtClean="0">
+              <a:rPr lang="en-US" dirty="0">
                 <a:latin typeface="+mj-lt"/>
               </a:rPr>
               <a:t>Master / Slave</a:t>
@@ -7617,7 +7484,7 @@
           <a:lstStyle/>
           <a:p>
             <a:r>
-              <a:rPr lang="en-US" dirty="0" smtClean="0">
+              <a:rPr lang="en-US" dirty="0">
                 <a:solidFill>
                   <a:schemeClr val="bg2">
                     <a:lumMod val="50000"/>
@@ -7626,13 +7493,6 @@
               </a:rPr>
               <a:t>http://s3.amazonaws.com/info-mongodb-com/MongoDB_Architecture_Guide.pdf</a:t>
             </a:r>
-            <a:endParaRPr lang="en-US" dirty="0">
-              <a:solidFill>
-                <a:schemeClr val="bg2">
-                  <a:lumMod val="50000"/>
-                </a:schemeClr>
-              </a:solidFill>
-            </a:endParaRPr>
           </a:p>
         </p:txBody>
       </p:sp>
@@ -7687,13 +7547,6 @@
   <p:clrMapOvr>
     <a:masterClrMapping/>
   </p:clrMapOvr>
-  <p:timing>
-    <p:tnLst>
-      <p:par>
-        <p:cTn id="1" dur="indefinite" restart="never" nodeType="tmRoot"/>
-      </p:par>
-    </p:tnLst>
-  </p:timing>
 </p:sld>
 </file>
 
@@ -7737,7 +7590,7 @@
           <a:lstStyle/>
           <a:p>
             <a:r>
-              <a:rPr lang="en-US" sz="2400" dirty="0" smtClean="0">
+              <a:rPr lang="en-US" sz="2400" dirty="0">
                 <a:latin typeface="+mj-lt"/>
               </a:rPr>
               <a:t>For Write</a:t>
@@ -7746,13 +7599,13 @@
           <a:p>
             <a:pPr lvl="1"/>
             <a:r>
-              <a:rPr lang="en-US" dirty="0" smtClean="0">
+              <a:rPr lang="en-US" dirty="0">
                 <a:latin typeface="+mj-lt"/>
               </a:rPr>
               <a:t>a write quorum can be implemented using </a:t>
             </a:r>
             <a:r>
-              <a:rPr lang="en-US" b="1" dirty="0" smtClean="0">
+              <a:rPr lang="en-US" b="1" dirty="0">
                 <a:solidFill>
                   <a:srgbClr val="00B050"/>
                 </a:solidFill>
@@ -7761,7 +7614,7 @@
               <a:t>write concern</a:t>
             </a:r>
             <a:r>
-              <a:rPr lang="en-US" dirty="0" smtClean="0">
+              <a:rPr lang="en-US" dirty="0">
                 <a:latin typeface="+mj-lt"/>
               </a:rPr>
               <a:t>.</a:t>
@@ -7770,7 +7623,7 @@
           <a:p>
             <a:pPr lvl="1"/>
             <a:r>
-              <a:rPr lang="en-US" dirty="0" smtClean="0">
+              <a:rPr lang="en-US" dirty="0">
                 <a:latin typeface="+mj-lt"/>
               </a:rPr>
               <a:t>if number of available nodes &lt; specified in write concern, write operation will fail.</a:t>
@@ -7778,25 +7631,17 @@
           </a:p>
           <a:p>
             <a:pPr lvl="1"/>
-            <a:endParaRPr lang="en-US" dirty="0" smtClean="0">
+            <a:endParaRPr lang="en-US" dirty="0">
               <a:latin typeface="+mj-lt"/>
             </a:endParaRPr>
           </a:p>
           <a:p>
             <a:r>
-              <a:rPr lang="en-US" sz="2400" dirty="0" smtClean="0">
+              <a:rPr lang="en-US" sz="2400" dirty="0">
                 <a:latin typeface="+mj-lt"/>
               </a:rPr>
               <a:t>All read operations sent to the primary are consistent to last write operations.</a:t>
             </a:r>
-          </a:p>
-          <a:p>
-            <a:pPr marL="0" indent="0">
-              <a:buNone/>
-            </a:pPr>
-            <a:endParaRPr lang="en-US" sz="2400" dirty="0" smtClean="0">
-              <a:latin typeface="+mj-lt"/>
-            </a:endParaRPr>
           </a:p>
           <a:p>
             <a:pPr marL="0" indent="0">
@@ -7807,17 +7652,19 @@
             </a:endParaRPr>
           </a:p>
           <a:p>
-            <a:r>
-              <a:rPr lang="en-US" sz="2400" dirty="0" smtClean="0">
-                <a:latin typeface="+mj-lt"/>
-              </a:rPr>
-              <a:t>Reads </a:t>
-            </a:r>
+            <a:pPr marL="0" indent="0">
+              <a:buNone/>
+            </a:pPr>
+            <a:endParaRPr lang="en-US" sz="2400" dirty="0">
+              <a:latin typeface="+mj-lt"/>
+            </a:endParaRPr>
+          </a:p>
+          <a:p>
             <a:r>
               <a:rPr lang="en-US" sz="2400" dirty="0">
                 <a:latin typeface="+mj-lt"/>
               </a:rPr>
-              <a:t>to a primary have </a:t>
+              <a:t>Reads to a primary have </a:t>
             </a:r>
             <a:r>
               <a:rPr lang="en-US" sz="2400" b="1" dirty="0">
@@ -7825,9 +7672,6 @@
               </a:rPr>
               <a:t>strict consistency </a:t>
             </a:r>
-            <a:endParaRPr lang="en-US" sz="2400" b="1" dirty="0" smtClean="0">
-              <a:latin typeface="+mj-lt"/>
-            </a:endParaRPr>
           </a:p>
           <a:p>
             <a:pPr marL="0" indent="0">
@@ -7837,45 +7681,35 @@
               <a:rPr lang="en-US" sz="2400" dirty="0">
                 <a:latin typeface="+mj-lt"/>
               </a:rPr>
-              <a:t>	</a:t>
-            </a:r>
-            <a:r>
-              <a:rPr lang="en-US" sz="2400" dirty="0" smtClean="0">
-                <a:latin typeface="+mj-lt"/>
-              </a:rPr>
-              <a:t>• </a:t>
-            </a:r>
+              <a:t>	• Reads reflect the latest changes to the data </a:t>
+            </a:r>
+          </a:p>
+          <a:p>
+            <a:pPr marL="0" indent="0">
+              <a:buNone/>
+            </a:pPr>
             <a:r>
               <a:rPr lang="en-US" sz="2400" dirty="0">
                 <a:latin typeface="+mj-lt"/>
               </a:rPr>
-              <a:t>Reads reflect the latest changes to the data </a:t>
-            </a:r>
-            <a:endParaRPr lang="en-US" sz="2400" dirty="0" smtClean="0">
-              <a:latin typeface="+mj-lt"/>
-            </a:endParaRPr>
+              <a:t>• Reads to a secondary have </a:t>
+            </a:r>
+            <a:r>
+              <a:rPr lang="en-US" sz="2400" b="1" dirty="0">
+                <a:latin typeface="+mj-lt"/>
+              </a:rPr>
+              <a:t>eventual consistency </a:t>
+            </a:r>
           </a:p>
           <a:p>
             <a:pPr marL="0" indent="0">
               <a:buNone/>
             </a:pPr>
             <a:r>
-              <a:rPr lang="en-US" sz="2400" dirty="0" smtClean="0">
-                <a:latin typeface="+mj-lt"/>
-              </a:rPr>
-              <a:t>• </a:t>
-            </a:r>
-            <a:r>
               <a:rPr lang="en-US" sz="2400" dirty="0">
                 <a:latin typeface="+mj-lt"/>
               </a:rPr>
-              <a:t>Reads to a secondary have </a:t>
-            </a:r>
-            <a:r>
-              <a:rPr lang="en-US" sz="2400" b="1" dirty="0" smtClean="0">
-                <a:latin typeface="+mj-lt"/>
-              </a:rPr>
-              <a:t>eventual consistency </a:t>
+              <a:t>	• Updates propagate gradually 	</a:t>
             </a:r>
           </a:p>
           <a:p>
@@ -7883,33 +7717,10 @@
               <a:buNone/>
             </a:pPr>
             <a:r>
-              <a:rPr lang="en-US" sz="2400" dirty="0" smtClean="0">
-                <a:latin typeface="+mj-lt"/>
-              </a:rPr>
-              <a:t>	• Updates propagate gradually 	</a:t>
-            </a:r>
-          </a:p>
-          <a:p>
-            <a:pPr marL="0" indent="0">
-              <a:buNone/>
-            </a:pPr>
-            <a:r>
-              <a:rPr lang="en-US" sz="2400" dirty="0" smtClean="0">
-                <a:latin typeface="+mj-lt"/>
-              </a:rPr>
-              <a:t>• </a:t>
-            </a:r>
-            <a:r>
               <a:rPr lang="en-US" sz="2400" dirty="0">
                 <a:latin typeface="+mj-lt"/>
               </a:rPr>
-              <a:t>If clients permit reads from secondary sets – then client may read a previous state of the </a:t>
-            </a:r>
-            <a:r>
-              <a:rPr lang="en-US" sz="2400" dirty="0" smtClean="0">
-                <a:latin typeface="+mj-lt"/>
-              </a:rPr>
-              <a:t>database.</a:t>
+              <a:t>• If clients permit reads from secondary sets – then client may read a previous state of the database.</a:t>
             </a:r>
           </a:p>
           <a:p>
@@ -7939,7 +7750,7 @@
             <a:pPr marL="0" indent="0">
               <a:buNone/>
             </a:pPr>
-            <a:endParaRPr lang="en-US" sz="2400" dirty="0" smtClean="0">
+            <a:endParaRPr lang="en-US" sz="2400" dirty="0">
               <a:latin typeface="+mj-lt"/>
             </a:endParaRPr>
           </a:p>
@@ -8034,13 +7845,6 @@
   <p:clrMapOvr>
     <a:masterClrMapping/>
   </p:clrMapOvr>
-  <p:timing>
-    <p:tnLst>
-      <p:par>
-        <p:cTn id="1" dur="indefinite" restart="never" nodeType="tmRoot"/>
-      </p:par>
-    </p:tnLst>
-  </p:timing>
 </p:sld>
 </file>
 
@@ -8077,10 +7881,9 @@
           <a:lstStyle/>
           <a:p>
             <a:r>
-              <a:rPr lang="en-US" dirty="0" smtClean="0"/>
+              <a:rPr lang="en-US" dirty="0"/>
               <a:t>References</a:t>
             </a:r>
-            <a:endParaRPr lang="en-US" dirty="0"/>
           </a:p>
         </p:txBody>
       </p:sp>
@@ -8123,15 +7926,9 @@
               <a:rPr lang="en-US" dirty="0">
                 <a:hlinkClick r:id="rId3"/>
               </a:rPr>
-              <a:t>http://</a:t>
-            </a:r>
-            <a:r>
-              <a:rPr lang="en-US" dirty="0" smtClean="0">
-                <a:hlinkClick r:id="rId3"/>
-              </a:rPr>
-              <a:t>stackoverflow.com/questions/7339374/nosql-what-does-it-mean-for-mongodb-or-bigtable-to-not-always-be-available</a:t>
-            </a:r>
-            <a:endParaRPr lang="en-US" dirty="0" smtClean="0"/>
+              <a:t>http://stackoverflow.com/questions/7339374/nosql-what-does-it-mean-for-mongodb-or-bigtable-to-not-always-be-available</a:t>
+            </a:r>
+            <a:endParaRPr lang="en-US" dirty="0"/>
           </a:p>
           <a:p>
             <a:r>
@@ -8143,20 +7940,9 @@
                 </a:solidFill>
                 <a:hlinkClick r:id="rId4"/>
               </a:rPr>
-              <a:t>http://</a:t>
-            </a:r>
-            <a:r>
-              <a:rPr lang="en-US" dirty="0" smtClean="0">
-                <a:solidFill>
-                  <a:schemeClr val="bg1">
-                    <a:lumMod val="50000"/>
-                  </a:schemeClr>
-                </a:solidFill>
-                <a:hlinkClick r:id="rId4"/>
-              </a:rPr>
-              <a:t>www.ccs.neu.edu/home/kathleen/classes/cs3200/20-NoSQLMongoDB.pdf</a:t>
-            </a:r>
-            <a:endParaRPr lang="en-US" dirty="0" smtClean="0">
+              <a:t>http://www.ccs.neu.edu/home/kathleen/classes/cs3200/20-NoSQLMongoDB.pdf</a:t>
+            </a:r>
+            <a:endParaRPr lang="en-US" dirty="0">
               <a:solidFill>
                 <a:schemeClr val="bg1">
                   <a:lumMod val="50000"/>
@@ -8174,21 +7960,10 @@
                 </a:solidFill>
                 <a:hlinkClick r:id="rId5"/>
               </a:rPr>
-              <a:t>https://docs.mongodb.org/manual/core/replica-set-members</a:t>
-            </a:r>
-            <a:r>
-              <a:rPr lang="en-US" dirty="0" smtClean="0">
-                <a:solidFill>
-                  <a:schemeClr val="bg1">
-                    <a:lumMod val="50000"/>
-                  </a:schemeClr>
-                </a:solidFill>
-                <a:hlinkClick r:id="rId5"/>
-              </a:rPr>
-              <a:t>/</a:t>
-            </a:r>
-            <a:r>
-              <a:rPr lang="en-US" dirty="0" smtClean="0">
+              <a:t>https://docs.mongodb.org/manual/core/replica-set-members/</a:t>
+            </a:r>
+            <a:r>
+              <a:rPr lang="en-US" dirty="0">
                 <a:solidFill>
                   <a:schemeClr val="bg1">
                     <a:lumMod val="50000"/>
@@ -8208,20 +7983,9 @@
                 </a:solidFill>
                 <a:hlinkClick r:id="rId6"/>
               </a:rPr>
-              <a:t>https://</a:t>
-            </a:r>
-            <a:r>
-              <a:rPr lang="en-US" dirty="0" smtClean="0">
-                <a:solidFill>
-                  <a:schemeClr val="bg1">
-                    <a:lumMod val="50000"/>
-                  </a:schemeClr>
-                </a:solidFill>
-                <a:hlinkClick r:id="rId6"/>
-              </a:rPr>
-              <a:t>github.com/sedouard/mongodb-mva</a:t>
-            </a:r>
-            <a:endParaRPr lang="en-US" dirty="0" smtClean="0">
+              <a:t>https://github.com/sedouard/mongodb-mva</a:t>
+            </a:r>
+            <a:endParaRPr lang="en-US" dirty="0">
               <a:solidFill>
                 <a:schemeClr val="bg1">
                   <a:lumMod val="50000"/>
@@ -8297,13 +8061,6 @@
   <p:clrMapOvr>
     <a:masterClrMapping/>
   </p:clrMapOvr>
-  <p:timing>
-    <p:tnLst>
-      <p:par>
-        <p:cTn id="1" dur="indefinite" restart="never" nodeType="tmRoot"/>
-      </p:par>
-    </p:tnLst>
-  </p:timing>
 </p:sld>
 </file>
 
@@ -8473,13 +8230,6 @@
   <p:clrMapOvr>
     <a:masterClrMapping/>
   </p:clrMapOvr>
-  <p:timing>
-    <p:tnLst>
-      <p:par>
-        <p:cTn id="1" dur="indefinite" restart="never" nodeType="tmRoot"/>
-      </p:par>
-    </p:tnLst>
-  </p:timing>
 </p:sld>
 </file>
 
@@ -8577,22 +8327,14 @@
             </a:r>
             <a:r>
               <a:rPr lang="en-US" dirty="0"/>
-              <a:t>A database that can be secured, monitored, automated, and integrated with their existing technology infrastructure</a:t>
+              <a:t>A database should allow administrators to secure, monitor, automate, and integrate with their existing technology infrastructure</a:t>
             </a:r>
             <a:br>
               <a:rPr lang="en-US" dirty="0"/>
             </a:br>
-            <a:r>
-              <a:rPr lang="en-US" dirty="0"/>
-              <a:t/>
-            </a:r>
             <a:br>
               <a:rPr lang="en-US" dirty="0"/>
             </a:br>
-            <a:r>
-              <a:rPr lang="en-US" dirty="0"/>
-              <a:t/>
-            </a:r>
             <a:br>
               <a:rPr lang="en-US" dirty="0"/>
             </a:br>
@@ -8688,13 +8430,6 @@
       <p:transition spd="slow" advTm="37786"/>
     </mc:Fallback>
   </mc:AlternateContent>
-  <p:timing>
-    <p:tnLst>
-      <p:par>
-        <p:cTn id="1" dur="indefinite" restart="never" nodeType="tmRoot"/>
-      </p:par>
-    </p:tnLst>
-  </p:timing>
 </p:sld>
 </file>
 
@@ -8789,10 +8524,6 @@
             <a:br>
               <a:rPr lang="en-US" dirty="0"/>
             </a:br>
-            <a:r>
-              <a:rPr lang="en-US" dirty="0"/>
-              <a:t/>
-            </a:r>
             <a:br>
               <a:rPr lang="en-US" dirty="0"/>
             </a:br>
@@ -8888,13 +8619,6 @@
       <p:transition spd="slow" advTm="22750"/>
     </mc:Fallback>
   </mc:AlternateContent>
-  <p:timing>
-    <p:tnLst>
-      <p:par>
-        <p:cTn id="1" dur="indefinite" restart="never" nodeType="tmRoot"/>
-      </p:par>
-    </p:tnLst>
-  </p:timing>
 </p:sld>
 </file>
 
@@ -9006,10 +8730,6 @@
             <a:br>
               <a:rPr lang="en-US" dirty="0"/>
             </a:br>
-            <a:r>
-              <a:rPr lang="en-US" dirty="0"/>
-              <a:t/>
-            </a:r>
             <a:br>
               <a:rPr lang="en-US" dirty="0"/>
             </a:br>
@@ -9153,13 +8873,6 @@
       <p:transition spd="slow" advTm="25683"/>
     </mc:Fallback>
   </mc:AlternateContent>
-  <p:timing>
-    <p:tnLst>
-      <p:par>
-        <p:cTn id="1" dur="indefinite" restart="never" nodeType="tmRoot"/>
-      </p:par>
-    </p:tnLst>
-  </p:timing>
 </p:sld>
 </file>
 
@@ -9366,13 +9079,6 @@
       <p:transition spd="slow" advTm="21140"/>
     </mc:Fallback>
   </mc:AlternateContent>
-  <p:timing>
-    <p:tnLst>
-      <p:par>
-        <p:cTn id="1" dur="indefinite" restart="never" nodeType="tmRoot"/>
-      </p:par>
-    </p:tnLst>
-  </p:timing>
 </p:sld>
 </file>
 
@@ -9481,17 +9187,9 @@
             <a:br>
               <a:rPr lang="en-US" dirty="0"/>
             </a:br>
-            <a:r>
-              <a:rPr lang="en-US" dirty="0"/>
-              <a:t/>
-            </a:r>
             <a:br>
               <a:rPr lang="en-US" dirty="0"/>
             </a:br>
-            <a:r>
-              <a:rPr lang="en-US" dirty="0"/>
-              <a:t/>
-            </a:r>
             <a:br>
               <a:rPr lang="en-US" dirty="0"/>
             </a:br>
@@ -9587,13 +9285,6 @@
       <p:transition spd="slow" advTm="17208"/>
     </mc:Fallback>
   </mc:AlternateContent>
-  <p:timing>
-    <p:tnLst>
-      <p:par>
-        <p:cTn id="1" dur="indefinite" restart="never" nodeType="tmRoot"/>
-      </p:par>
-    </p:tnLst>
-  </p:timing>
 </p:sld>
 </file>
 
@@ -9639,13 +9330,8 @@
             <a:pPr algn="l"/>
             <a:r>
               <a:rPr lang="en-US" sz="4000" dirty="0"/>
-              <a:t>Key Market Features (Pros) </a:t>
-            </a:r>
-            <a:r>
-              <a:rPr lang="en-US" sz="4000" dirty="0" smtClean="0"/>
-              <a:t>of MongoDB </a:t>
-            </a:r>
-            <a:endParaRPr lang="en-US" sz="4000" dirty="0"/>
+              <a:t>Key Market Features (Pros) of MongoDB </a:t>
+            </a:r>
           </a:p>
         </p:txBody>
       </p:sp>
@@ -9675,19 +9361,11 @@
             </a:pPr>
             <a:r>
               <a:rPr lang="en-US" b="1" dirty="0"/>
-              <a:t>High </a:t>
-            </a:r>
-            <a:r>
-              <a:rPr lang="en-US" b="1" dirty="0" smtClean="0"/>
-              <a:t>availability</a:t>
+              <a:t>High availability</a:t>
             </a:r>
             <a:r>
               <a:rPr lang="en-US" dirty="0"/>
-              <a:t> </a:t>
-            </a:r>
-            <a:r>
-              <a:rPr lang="en-US" dirty="0" smtClean="0"/>
-              <a:t>(by replicating the data)</a:t>
+              <a:t> (by replicating the data)</a:t>
             </a:r>
           </a:p>
           <a:p>
@@ -9696,16 +9374,12 @@
               <a:buChar char="•"/>
             </a:pPr>
             <a:r>
-              <a:rPr lang="en-US" b="1" dirty="0" smtClean="0"/>
+              <a:rPr lang="en-US" b="1" dirty="0"/>
               <a:t>Scalability</a:t>
             </a:r>
             <a:r>
               <a:rPr lang="en-US" dirty="0"/>
-              <a:t> (from a standalone server to distributed architectures of huge clusters). This allows us to shard our database transparently across all our shards. This increases the performance of our data processing</a:t>
-            </a:r>
-            <a:r>
-              <a:rPr lang="en-US" dirty="0" smtClean="0"/>
-              <a:t>.</a:t>
+              <a:t> (from a standalone server to distributed architectures of huge clusters). This allows us to shard our database transparently across all our shards. This increases the performance of our data processing.</a:t>
             </a:r>
           </a:p>
           <a:p>
@@ -9719,15 +9393,7 @@
             </a:r>
             <a:r>
               <a:rPr lang="en-US" dirty="0"/>
-              <a:t>: </a:t>
-            </a:r>
-            <a:r>
-              <a:rPr lang="en-US" dirty="0" smtClean="0"/>
-              <a:t>Batch </a:t>
-            </a:r>
-            <a:r>
-              <a:rPr lang="en-US" dirty="0"/>
-              <a:t>data processing and aggregate calculations using native MongoDB operations.</a:t>
+              <a:t>: Batch data processing and aggregate calculations using native MongoDB operations.</a:t>
             </a:r>
           </a:p>
           <a:p>
@@ -9741,15 +9407,7 @@
             </a:r>
             <a:r>
               <a:rPr lang="en-US" dirty="0"/>
-              <a:t>: </a:t>
-            </a:r>
-            <a:r>
-              <a:rPr lang="en-US" dirty="0" smtClean="0"/>
-              <a:t>Automatic </a:t>
-            </a:r>
-            <a:r>
-              <a:rPr lang="en-US" dirty="0"/>
-              <a:t>data movement across </a:t>
+              <a:t>: Automatic data movement across </a:t>
             </a:r>
             <a:r>
               <a:rPr lang="en-US" i="1" dirty="0"/>
@@ -9757,17 +9415,13 @@
             </a:r>
             <a:r>
               <a:rPr lang="en-US" dirty="0"/>
-              <a:t>for load balancing. The balancer decides when to migrate the data and the destination Shard, so they are evenly distributed among all servers in the </a:t>
-            </a:r>
-            <a:r>
-              <a:rPr lang="en-US" dirty="0" smtClean="0"/>
-              <a:t>cluster.</a:t>
+              <a:t>for load balancing. The balancer decides when to migrate the data and the destination Shard, so they are evenly distributed among all servers in the cluster.</a:t>
             </a:r>
           </a:p>
           <a:p>
             <a:pPr fontAlgn="base"/>
             <a:r>
-              <a:rPr lang="en-US" sz="1200" dirty="0" smtClean="0"/>
+              <a:rPr lang="en-US" sz="1200" dirty="0"/>
               <a:t>http://www.mongodbspain.com/en/2014/08/17/mongodb-characteristics-future/</a:t>
             </a:r>
             <a:endParaRPr lang="en-US" dirty="0"/>

--- a/documents/MongoDB - Team Demo.pptx
+++ b/documents/MongoDB - Team Demo.pptx
@@ -3020,52 +3020,10 @@
               </a:lnSpc>
             </a:pPr>
             <a:r>
-              <a:rPr lang="en-US" dirty="0" err="1">
-                <a:latin typeface="+mj-lt"/>
-              </a:rPr>
-              <a:t>Shumbam</a:t>
-            </a:r>
-            <a:r>
               <a:rPr lang="en-US" dirty="0">
                 <a:latin typeface="+mj-lt"/>
               </a:rPr>
-              <a:t> </a:t>
-            </a:r>
-            <a:r>
-              <a:rPr lang="en-US" dirty="0" err="1">
-                <a:latin typeface="+mj-lt"/>
-              </a:rPr>
-              <a:t>Vadhera</a:t>
-            </a:r>
-            <a:r>
-              <a:rPr lang="en-US" dirty="0">
-                <a:latin typeface="+mj-lt"/>
-              </a:rPr>
-              <a:t> | </a:t>
-            </a:r>
-            <a:r>
-              <a:rPr lang="en-US" dirty="0" err="1">
-                <a:latin typeface="+mj-lt"/>
-              </a:rPr>
-              <a:t>Sagar</a:t>
-            </a:r>
-            <a:r>
-              <a:rPr lang="en-US" dirty="0">
-                <a:latin typeface="+mj-lt"/>
-              </a:rPr>
-              <a:t> </a:t>
-            </a:r>
-            <a:r>
-              <a:rPr lang="en-US" dirty="0" err="1">
-                <a:latin typeface="+mj-lt"/>
-              </a:rPr>
-              <a:t>Dafle</a:t>
-            </a:r>
-            <a:r>
-              <a:rPr lang="en-US" dirty="0">
-                <a:latin typeface="+mj-lt"/>
-              </a:rPr>
-              <a:t> | </a:t>
+              <a:t>Shubham Vadhera | Sagar Dafle | </a:t>
             </a:r>
             <a:r>
               <a:rPr lang="en-US" dirty="0" err="1">
